--- a/img/1.pptx
+++ b/img/1.pptx
@@ -5,10 +5,10 @@
     <p:sldMasterId id="2147483648" r:id="rId1"/>
   </p:sldMasterIdLst>
   <p:sldIdLst>
-    <p:sldId id="257" r:id="rId3"/>
+    <p:sldId id="257" r:id="rId2"/>
   </p:sldIdLst>
   <p:sldSz cx="12192000" cy="6858000"/>
-  <p:notesSz cx="7103745" cy="10234295"/>
+  <p:notesSz cx="7104063" cy="10234613"/>
   <p:defaultTextStyle>
     <a:defPPr>
       <a:defRPr lang="zh-CN"/>
@@ -104,6 +104,11 @@
       </a:defRPr>
     </a:lvl9pPr>
   </p:defaultTextStyle>
+  <p:extLst>
+    <p:ext uri="{EFAFB233-063F-42B5-8137-9DF3F51BA10A}">
+      <p15:sldGuideLst xmlns:p15="http://schemas.microsoft.com/office/powerpoint/2012/main"/>
+    </p:ext>
+  </p:extLst>
 </p:presentation>
 </file>
 
@@ -149,10 +154,9 @@
           </a:lstStyle>
           <a:p>
             <a:r>
-              <a:rPr lang="zh-CN" altLang="en-US" smtClean="0"/>
+              <a:rPr lang="zh-CN" altLang="en-US"/>
               <a:t>单击此处编辑母版标题样式</a:t>
             </a:r>
-            <a:endParaRPr lang="zh-CN" altLang="en-US"/>
           </a:p>
         </p:txBody>
       </p:sp>
@@ -214,10 +218,9 @@
           </a:lstStyle>
           <a:p>
             <a:r>
-              <a:rPr lang="zh-CN" altLang="en-US" smtClean="0"/>
+              <a:rPr lang="zh-CN" altLang="en-US"/>
               <a:t>单击此处编辑母版副标题样式</a:t>
             </a:r>
-            <a:endParaRPr lang="zh-CN" altLang="en-US"/>
           </a:p>
         </p:txBody>
       </p:sp>
@@ -238,6 +241,7 @@
           <a:p>
             <a:fld id="{82F288E0-7875-42C4-84C8-98DBBD3BF4D2}" type="datetimeFigureOut">
               <a:rPr lang="zh-CN" altLang="en-US" smtClean="0"/>
+              <a:t>2019/2/3</a:t>
             </a:fld>
             <a:endParaRPr lang="zh-CN" altLang="en-US"/>
           </a:p>
@@ -279,6 +283,7 @@
           <a:p>
             <a:fld id="{7D9BB5D0-35E4-459D-AEF3-FE4D7C45CC19}" type="slidenum">
               <a:rPr lang="zh-CN" altLang="en-US" smtClean="0"/>
+              <a:t>‹#›</a:t>
             </a:fld>
             <a:endParaRPr lang="zh-CN" altLang="en-US"/>
           </a:p>
@@ -331,42 +336,37 @@
           <a:p>
             <a:pPr lvl="0"/>
             <a:r>
-              <a:rPr lang="zh-CN" altLang="en-US" smtClean="0"/>
+              <a:rPr lang="zh-CN" altLang="en-US"/>
               <a:t>单击此处编辑母版文本样式</a:t>
             </a:r>
-            <a:endParaRPr lang="zh-CN" altLang="en-US" smtClean="0"/>
           </a:p>
           <a:p>
             <a:pPr lvl="1"/>
             <a:r>
-              <a:rPr lang="zh-CN" altLang="en-US" smtClean="0"/>
+              <a:rPr lang="zh-CN" altLang="en-US"/>
               <a:t>第二级</a:t>
             </a:r>
-            <a:endParaRPr lang="zh-CN" altLang="en-US" smtClean="0"/>
           </a:p>
           <a:p>
             <a:pPr lvl="2"/>
             <a:r>
-              <a:rPr lang="zh-CN" altLang="en-US" smtClean="0"/>
+              <a:rPr lang="zh-CN" altLang="en-US"/>
               <a:t>第三级</a:t>
             </a:r>
-            <a:endParaRPr lang="zh-CN" altLang="en-US" smtClean="0"/>
           </a:p>
           <a:p>
             <a:pPr lvl="3"/>
             <a:r>
-              <a:rPr lang="zh-CN" altLang="en-US" smtClean="0"/>
+              <a:rPr lang="zh-CN" altLang="en-US"/>
               <a:t>第四级</a:t>
             </a:r>
-            <a:endParaRPr lang="zh-CN" altLang="en-US" smtClean="0"/>
           </a:p>
           <a:p>
             <a:pPr lvl="4"/>
             <a:r>
-              <a:rPr lang="zh-CN" altLang="en-US" smtClean="0"/>
+              <a:rPr lang="zh-CN" altLang="en-US"/>
               <a:t>第五级</a:t>
             </a:r>
-            <a:endParaRPr lang="zh-CN" altLang="en-US"/>
           </a:p>
         </p:txBody>
       </p:sp>
@@ -387,6 +387,7 @@
           <a:p>
             <a:fld id="{82F288E0-7875-42C4-84C8-98DBBD3BF4D2}" type="datetimeFigureOut">
               <a:rPr lang="zh-CN" altLang="en-US" smtClean="0"/>
+              <a:t>2019/2/3</a:t>
             </a:fld>
             <a:endParaRPr lang="zh-CN" altLang="en-US"/>
           </a:p>
@@ -428,6 +429,7 @@
           <a:p>
             <a:fld id="{7D9BB5D0-35E4-459D-AEF3-FE4D7C45CC19}" type="slidenum">
               <a:rPr lang="zh-CN" altLang="en-US" smtClean="0"/>
+              <a:t>‹#›</a:t>
             </a:fld>
             <a:endParaRPr lang="zh-CN" altLang="en-US"/>
           </a:p>
@@ -474,10 +476,9 @@
           <a:lstStyle/>
           <a:p>
             <a:r>
-              <a:rPr lang="zh-CN" altLang="en-US" smtClean="0"/>
+              <a:rPr lang="zh-CN" altLang="en-US"/>
               <a:t>单击此处编辑母版标题样式</a:t>
             </a:r>
-            <a:endParaRPr lang="zh-CN" altLang="en-US"/>
           </a:p>
         </p:txBody>
       </p:sp>
@@ -498,42 +499,37 @@
           <a:p>
             <a:pPr lvl="0"/>
             <a:r>
-              <a:rPr lang="zh-CN" altLang="en-US" smtClean="0"/>
+              <a:rPr lang="zh-CN" altLang="en-US"/>
               <a:t>单击此处编辑母版文本样式</a:t>
             </a:r>
-            <a:endParaRPr lang="zh-CN" altLang="en-US" smtClean="0"/>
           </a:p>
           <a:p>
             <a:pPr lvl="1"/>
             <a:r>
-              <a:rPr lang="zh-CN" altLang="en-US" smtClean="0"/>
+              <a:rPr lang="zh-CN" altLang="en-US"/>
               <a:t>第二级</a:t>
             </a:r>
-            <a:endParaRPr lang="zh-CN" altLang="en-US" smtClean="0"/>
           </a:p>
           <a:p>
             <a:pPr lvl="2"/>
             <a:r>
-              <a:rPr lang="zh-CN" altLang="en-US" smtClean="0"/>
+              <a:rPr lang="zh-CN" altLang="en-US"/>
               <a:t>第三级</a:t>
             </a:r>
-            <a:endParaRPr lang="zh-CN" altLang="en-US" smtClean="0"/>
           </a:p>
           <a:p>
             <a:pPr lvl="3"/>
             <a:r>
-              <a:rPr lang="zh-CN" altLang="en-US" smtClean="0"/>
+              <a:rPr lang="zh-CN" altLang="en-US"/>
               <a:t>第四级</a:t>
             </a:r>
-            <a:endParaRPr lang="zh-CN" altLang="en-US" smtClean="0"/>
           </a:p>
           <a:p>
             <a:pPr lvl="4"/>
             <a:r>
-              <a:rPr lang="zh-CN" altLang="en-US" smtClean="0"/>
+              <a:rPr lang="zh-CN" altLang="en-US"/>
               <a:t>第五级</a:t>
             </a:r>
-            <a:endParaRPr lang="zh-CN" altLang="en-US"/>
           </a:p>
         </p:txBody>
       </p:sp>
@@ -554,6 +550,7 @@
           <a:p>
             <a:fld id="{82F288E0-7875-42C4-84C8-98DBBD3BF4D2}" type="datetimeFigureOut">
               <a:rPr lang="zh-CN" altLang="en-US" smtClean="0"/>
+              <a:t>2019/2/3</a:t>
             </a:fld>
             <a:endParaRPr lang="zh-CN" altLang="en-US"/>
           </a:p>
@@ -595,6 +592,7 @@
           <a:p>
             <a:fld id="{7D9BB5D0-35E4-459D-AEF3-FE4D7C45CC19}" type="slidenum">
               <a:rPr lang="zh-CN" altLang="en-US" smtClean="0"/>
+              <a:t>‹#›</a:t>
             </a:fld>
             <a:endParaRPr lang="zh-CN" altLang="en-US"/>
           </a:p>
@@ -650,10 +648,9 @@
           </a:lstStyle>
           <a:p>
             <a:r>
-              <a:rPr lang="zh-CN" altLang="en-US" smtClean="0"/>
+              <a:rPr lang="zh-CN" altLang="en-US"/>
               <a:t>单击此处编辑母版标题样式</a:t>
             </a:r>
-            <a:endParaRPr lang="zh-CN" altLang="en-US"/>
           </a:p>
         </p:txBody>
       </p:sp>
@@ -770,10 +767,9 @@
           <a:p>
             <a:pPr lvl="0"/>
             <a:r>
-              <a:rPr lang="zh-CN" altLang="en-US" smtClean="0"/>
+              <a:rPr lang="zh-CN" altLang="en-US"/>
               <a:t>单击此处编辑母版文本样式</a:t>
             </a:r>
-            <a:endParaRPr lang="zh-CN" altLang="en-US" smtClean="0"/>
           </a:p>
         </p:txBody>
       </p:sp>
@@ -794,6 +790,7 @@
           <a:p>
             <a:fld id="{82F288E0-7875-42C4-84C8-98DBBD3BF4D2}" type="datetimeFigureOut">
               <a:rPr lang="zh-CN" altLang="en-US" smtClean="0"/>
+              <a:t>2019/2/3</a:t>
             </a:fld>
             <a:endParaRPr lang="zh-CN" altLang="en-US"/>
           </a:p>
@@ -835,6 +832,7 @@
           <a:p>
             <a:fld id="{7D9BB5D0-35E4-459D-AEF3-FE4D7C45CC19}" type="slidenum">
               <a:rPr lang="zh-CN" altLang="en-US" smtClean="0"/>
+              <a:t>‹#›</a:t>
             </a:fld>
             <a:endParaRPr lang="zh-CN" altLang="en-US"/>
           </a:p>
@@ -881,10 +879,9 @@
           <a:lstStyle/>
           <a:p>
             <a:r>
-              <a:rPr lang="zh-CN" altLang="en-US" smtClean="0"/>
+              <a:rPr lang="zh-CN" altLang="en-US"/>
               <a:t>单击此处编辑母版标题样式</a:t>
             </a:r>
-            <a:endParaRPr lang="zh-CN" altLang="en-US"/>
           </a:p>
         </p:txBody>
       </p:sp>
@@ -910,42 +907,37 @@
           <a:p>
             <a:pPr lvl="0"/>
             <a:r>
-              <a:rPr lang="zh-CN" altLang="en-US" smtClean="0"/>
+              <a:rPr lang="zh-CN" altLang="en-US"/>
               <a:t>单击此处编辑母版文本样式</a:t>
             </a:r>
-            <a:endParaRPr lang="zh-CN" altLang="en-US" smtClean="0"/>
           </a:p>
           <a:p>
             <a:pPr lvl="1"/>
             <a:r>
-              <a:rPr lang="zh-CN" altLang="en-US" smtClean="0"/>
+              <a:rPr lang="zh-CN" altLang="en-US"/>
               <a:t>第二级</a:t>
             </a:r>
-            <a:endParaRPr lang="zh-CN" altLang="en-US" smtClean="0"/>
           </a:p>
           <a:p>
             <a:pPr lvl="2"/>
             <a:r>
-              <a:rPr lang="zh-CN" altLang="en-US" smtClean="0"/>
+              <a:rPr lang="zh-CN" altLang="en-US"/>
               <a:t>第三级</a:t>
             </a:r>
-            <a:endParaRPr lang="zh-CN" altLang="en-US" smtClean="0"/>
           </a:p>
           <a:p>
             <a:pPr lvl="3"/>
             <a:r>
-              <a:rPr lang="zh-CN" altLang="en-US" smtClean="0"/>
+              <a:rPr lang="zh-CN" altLang="en-US"/>
               <a:t>第四级</a:t>
             </a:r>
-            <a:endParaRPr lang="zh-CN" altLang="en-US" smtClean="0"/>
           </a:p>
           <a:p>
             <a:pPr lvl="4"/>
             <a:r>
-              <a:rPr lang="zh-CN" altLang="en-US" smtClean="0"/>
+              <a:rPr lang="zh-CN" altLang="en-US"/>
               <a:t>第五级</a:t>
             </a:r>
-            <a:endParaRPr lang="zh-CN" altLang="en-US"/>
           </a:p>
         </p:txBody>
       </p:sp>
@@ -971,42 +963,37 @@
           <a:p>
             <a:pPr lvl="0"/>
             <a:r>
-              <a:rPr lang="zh-CN" altLang="en-US" smtClean="0"/>
+              <a:rPr lang="zh-CN" altLang="en-US"/>
               <a:t>单击此处编辑母版文本样式</a:t>
             </a:r>
-            <a:endParaRPr lang="zh-CN" altLang="en-US" smtClean="0"/>
           </a:p>
           <a:p>
             <a:pPr lvl="1"/>
             <a:r>
-              <a:rPr lang="zh-CN" altLang="en-US" smtClean="0"/>
+              <a:rPr lang="zh-CN" altLang="en-US"/>
               <a:t>第二级</a:t>
             </a:r>
-            <a:endParaRPr lang="zh-CN" altLang="en-US" smtClean="0"/>
           </a:p>
           <a:p>
             <a:pPr lvl="2"/>
             <a:r>
-              <a:rPr lang="zh-CN" altLang="en-US" smtClean="0"/>
+              <a:rPr lang="zh-CN" altLang="en-US"/>
               <a:t>第三级</a:t>
             </a:r>
-            <a:endParaRPr lang="zh-CN" altLang="en-US" smtClean="0"/>
           </a:p>
           <a:p>
             <a:pPr lvl="3"/>
             <a:r>
-              <a:rPr lang="zh-CN" altLang="en-US" smtClean="0"/>
+              <a:rPr lang="zh-CN" altLang="en-US"/>
               <a:t>第四级</a:t>
             </a:r>
-            <a:endParaRPr lang="zh-CN" altLang="en-US" smtClean="0"/>
           </a:p>
           <a:p>
             <a:pPr lvl="4"/>
             <a:r>
-              <a:rPr lang="zh-CN" altLang="en-US" smtClean="0"/>
+              <a:rPr lang="zh-CN" altLang="en-US"/>
               <a:t>第五级</a:t>
             </a:r>
-            <a:endParaRPr lang="zh-CN" altLang="en-US"/>
           </a:p>
         </p:txBody>
       </p:sp>
@@ -1027,6 +1014,7 @@
           <a:p>
             <a:fld id="{82F288E0-7875-42C4-84C8-98DBBD3BF4D2}" type="datetimeFigureOut">
               <a:rPr lang="zh-CN" altLang="en-US" smtClean="0"/>
+              <a:t>2019/2/3</a:t>
             </a:fld>
             <a:endParaRPr lang="zh-CN" altLang="en-US"/>
           </a:p>
@@ -1068,6 +1056,7 @@
           <a:p>
             <a:fld id="{7D9BB5D0-35E4-459D-AEF3-FE4D7C45CC19}" type="slidenum">
               <a:rPr lang="zh-CN" altLang="en-US" smtClean="0"/>
+              <a:t>‹#›</a:t>
             </a:fld>
             <a:endParaRPr lang="zh-CN" altLang="en-US"/>
           </a:p>
@@ -1119,10 +1108,9 @@
           <a:lstStyle/>
           <a:p>
             <a:r>
-              <a:rPr lang="zh-CN" altLang="en-US" smtClean="0"/>
+              <a:rPr lang="zh-CN" altLang="en-US"/>
               <a:t>单击此处编辑母版标题样式</a:t>
             </a:r>
-            <a:endParaRPr lang="zh-CN" altLang="en-US"/>
           </a:p>
         </p:txBody>
       </p:sp>
@@ -1185,10 +1173,9 @@
           <a:p>
             <a:pPr lvl="0"/>
             <a:r>
-              <a:rPr lang="zh-CN" altLang="en-US" smtClean="0"/>
+              <a:rPr lang="zh-CN" altLang="en-US"/>
               <a:t>单击此处编辑母版文本样式</a:t>
             </a:r>
-            <a:endParaRPr lang="zh-CN" altLang="en-US" smtClean="0"/>
           </a:p>
         </p:txBody>
       </p:sp>
@@ -1214,42 +1201,37 @@
           <a:p>
             <a:pPr lvl="0"/>
             <a:r>
-              <a:rPr lang="zh-CN" altLang="en-US" smtClean="0"/>
+              <a:rPr lang="zh-CN" altLang="en-US"/>
               <a:t>单击此处编辑母版文本样式</a:t>
             </a:r>
-            <a:endParaRPr lang="zh-CN" altLang="en-US" smtClean="0"/>
           </a:p>
           <a:p>
             <a:pPr lvl="1"/>
             <a:r>
-              <a:rPr lang="zh-CN" altLang="en-US" smtClean="0"/>
+              <a:rPr lang="zh-CN" altLang="en-US"/>
               <a:t>第二级</a:t>
             </a:r>
-            <a:endParaRPr lang="zh-CN" altLang="en-US" smtClean="0"/>
           </a:p>
           <a:p>
             <a:pPr lvl="2"/>
             <a:r>
-              <a:rPr lang="zh-CN" altLang="en-US" smtClean="0"/>
+              <a:rPr lang="zh-CN" altLang="en-US"/>
               <a:t>第三级</a:t>
             </a:r>
-            <a:endParaRPr lang="zh-CN" altLang="en-US" smtClean="0"/>
           </a:p>
           <a:p>
             <a:pPr lvl="3"/>
             <a:r>
-              <a:rPr lang="zh-CN" altLang="en-US" smtClean="0"/>
+              <a:rPr lang="zh-CN" altLang="en-US"/>
               <a:t>第四级</a:t>
             </a:r>
-            <a:endParaRPr lang="zh-CN" altLang="en-US" smtClean="0"/>
           </a:p>
           <a:p>
             <a:pPr lvl="4"/>
             <a:r>
-              <a:rPr lang="zh-CN" altLang="en-US" smtClean="0"/>
+              <a:rPr lang="zh-CN" altLang="en-US"/>
               <a:t>第五级</a:t>
             </a:r>
-            <a:endParaRPr lang="zh-CN" altLang="en-US"/>
           </a:p>
         </p:txBody>
       </p:sp>
@@ -1312,10 +1294,9 @@
           <a:p>
             <a:pPr lvl="0"/>
             <a:r>
-              <a:rPr lang="zh-CN" altLang="en-US" smtClean="0"/>
+              <a:rPr lang="zh-CN" altLang="en-US"/>
               <a:t>单击此处编辑母版文本样式</a:t>
             </a:r>
-            <a:endParaRPr lang="zh-CN" altLang="en-US" smtClean="0"/>
           </a:p>
         </p:txBody>
       </p:sp>
@@ -1341,42 +1322,37 @@
           <a:p>
             <a:pPr lvl="0"/>
             <a:r>
-              <a:rPr lang="zh-CN" altLang="en-US" smtClean="0"/>
+              <a:rPr lang="zh-CN" altLang="en-US"/>
               <a:t>单击此处编辑母版文本样式</a:t>
             </a:r>
-            <a:endParaRPr lang="zh-CN" altLang="en-US" smtClean="0"/>
           </a:p>
           <a:p>
             <a:pPr lvl="1"/>
             <a:r>
-              <a:rPr lang="zh-CN" altLang="en-US" smtClean="0"/>
+              <a:rPr lang="zh-CN" altLang="en-US"/>
               <a:t>第二级</a:t>
             </a:r>
-            <a:endParaRPr lang="zh-CN" altLang="en-US" smtClean="0"/>
           </a:p>
           <a:p>
             <a:pPr lvl="2"/>
             <a:r>
-              <a:rPr lang="zh-CN" altLang="en-US" smtClean="0"/>
+              <a:rPr lang="zh-CN" altLang="en-US"/>
               <a:t>第三级</a:t>
             </a:r>
-            <a:endParaRPr lang="zh-CN" altLang="en-US" smtClean="0"/>
           </a:p>
           <a:p>
             <a:pPr lvl="3"/>
             <a:r>
-              <a:rPr lang="zh-CN" altLang="en-US" smtClean="0"/>
+              <a:rPr lang="zh-CN" altLang="en-US"/>
               <a:t>第四级</a:t>
             </a:r>
-            <a:endParaRPr lang="zh-CN" altLang="en-US" smtClean="0"/>
           </a:p>
           <a:p>
             <a:pPr lvl="4"/>
             <a:r>
-              <a:rPr lang="zh-CN" altLang="en-US" smtClean="0"/>
+              <a:rPr lang="zh-CN" altLang="en-US"/>
               <a:t>第五级</a:t>
             </a:r>
-            <a:endParaRPr lang="zh-CN" altLang="en-US"/>
           </a:p>
         </p:txBody>
       </p:sp>
@@ -1397,6 +1373,7 @@
           <a:p>
             <a:fld id="{82F288E0-7875-42C4-84C8-98DBBD3BF4D2}" type="datetimeFigureOut">
               <a:rPr lang="zh-CN" altLang="en-US" smtClean="0"/>
+              <a:t>2019/2/3</a:t>
             </a:fld>
             <a:endParaRPr lang="zh-CN" altLang="en-US"/>
           </a:p>
@@ -1438,6 +1415,7 @@
           <a:p>
             <a:fld id="{7D9BB5D0-35E4-459D-AEF3-FE4D7C45CC19}" type="slidenum">
               <a:rPr lang="zh-CN" altLang="en-US" smtClean="0"/>
+              <a:t>‹#›</a:t>
             </a:fld>
             <a:endParaRPr lang="zh-CN" altLang="en-US"/>
           </a:p>
@@ -1484,10 +1462,9 @@
           <a:lstStyle/>
           <a:p>
             <a:r>
-              <a:rPr lang="zh-CN" altLang="en-US" smtClean="0"/>
+              <a:rPr lang="zh-CN" altLang="en-US"/>
               <a:t>单击此处编辑母版标题样式</a:t>
             </a:r>
-            <a:endParaRPr lang="zh-CN" altLang="en-US"/>
           </a:p>
         </p:txBody>
       </p:sp>
@@ -1508,6 +1485,7 @@
           <a:p>
             <a:fld id="{82F288E0-7875-42C4-84C8-98DBBD3BF4D2}" type="datetimeFigureOut">
               <a:rPr lang="zh-CN" altLang="en-US" smtClean="0"/>
+              <a:t>2019/2/3</a:t>
             </a:fld>
             <a:endParaRPr lang="zh-CN" altLang="en-US"/>
           </a:p>
@@ -1549,6 +1527,7 @@
           <a:p>
             <a:fld id="{7D9BB5D0-35E4-459D-AEF3-FE4D7C45CC19}" type="slidenum">
               <a:rPr lang="zh-CN" altLang="en-US" smtClean="0"/>
+              <a:t>‹#›</a:t>
             </a:fld>
             <a:endParaRPr lang="zh-CN" altLang="en-US"/>
           </a:p>
@@ -1596,6 +1575,7 @@
           <a:p>
             <a:fld id="{82F288E0-7875-42C4-84C8-98DBBD3BF4D2}" type="datetimeFigureOut">
               <a:rPr lang="zh-CN" altLang="en-US" smtClean="0"/>
+              <a:t>2019/2/3</a:t>
             </a:fld>
             <a:endParaRPr lang="zh-CN" altLang="en-US"/>
           </a:p>
@@ -1637,6 +1617,7 @@
           <a:p>
             <a:fld id="{7D9BB5D0-35E4-459D-AEF3-FE4D7C45CC19}" type="slidenum">
               <a:rPr lang="zh-CN" altLang="en-US" smtClean="0"/>
+              <a:t>‹#›</a:t>
             </a:fld>
             <a:endParaRPr lang="zh-CN" altLang="en-US"/>
           </a:p>
@@ -1692,10 +1673,9 @@
           </a:lstStyle>
           <a:p>
             <a:r>
-              <a:rPr lang="zh-CN" altLang="en-US" smtClean="0"/>
+              <a:rPr lang="zh-CN" altLang="en-US"/>
               <a:t>单击此处编辑母版标题样式</a:t>
             </a:r>
-            <a:endParaRPr lang="zh-CN" altLang="en-US"/>
           </a:p>
         </p:txBody>
       </p:sp>
@@ -1819,10 +1799,9 @@
           <a:p>
             <a:pPr lvl="0"/>
             <a:r>
-              <a:rPr lang="zh-CN" altLang="en-US" smtClean="0"/>
+              <a:rPr lang="zh-CN" altLang="en-US"/>
               <a:t>单击此处编辑母版文本样式</a:t>
             </a:r>
-            <a:endParaRPr lang="zh-CN" altLang="en-US" smtClean="0"/>
           </a:p>
         </p:txBody>
       </p:sp>
@@ -1843,6 +1822,7 @@
           <a:p>
             <a:fld id="{82F288E0-7875-42C4-84C8-98DBBD3BF4D2}" type="datetimeFigureOut">
               <a:rPr lang="zh-CN" altLang="en-US" smtClean="0"/>
+              <a:t>2019/2/3</a:t>
             </a:fld>
             <a:endParaRPr lang="zh-CN" altLang="en-US"/>
           </a:p>
@@ -1884,6 +1864,7 @@
           <a:p>
             <a:fld id="{7D9BB5D0-35E4-459D-AEF3-FE4D7C45CC19}" type="slidenum">
               <a:rPr lang="zh-CN" altLang="en-US" smtClean="0"/>
+              <a:t>‹#›</a:t>
             </a:fld>
             <a:endParaRPr lang="zh-CN" altLang="en-US"/>
           </a:p>
@@ -1935,10 +1916,9 @@
           <a:lstStyle/>
           <a:p>
             <a:r>
-              <a:rPr lang="zh-CN" altLang="en-US" smtClean="0"/>
+              <a:rPr lang="zh-CN" altLang="en-US"/>
               <a:t>单击此处编辑母版标题样式</a:t>
             </a:r>
-            <a:endParaRPr lang="zh-CN" altLang="en-US"/>
           </a:p>
         </p:txBody>
       </p:sp>
@@ -1964,42 +1944,37 @@
           <a:p>
             <a:pPr lvl="0"/>
             <a:r>
-              <a:rPr lang="zh-CN" altLang="en-US" smtClean="0"/>
+              <a:rPr lang="zh-CN" altLang="en-US"/>
               <a:t>单击此处编辑母版文本样式</a:t>
             </a:r>
-            <a:endParaRPr lang="zh-CN" altLang="en-US" smtClean="0"/>
           </a:p>
           <a:p>
             <a:pPr lvl="1"/>
             <a:r>
-              <a:rPr lang="zh-CN" altLang="en-US" smtClean="0"/>
+              <a:rPr lang="zh-CN" altLang="en-US"/>
               <a:t>第二级</a:t>
             </a:r>
-            <a:endParaRPr lang="zh-CN" altLang="en-US" smtClean="0"/>
           </a:p>
           <a:p>
             <a:pPr lvl="2"/>
             <a:r>
-              <a:rPr lang="zh-CN" altLang="en-US" smtClean="0"/>
+              <a:rPr lang="zh-CN" altLang="en-US"/>
               <a:t>第三级</a:t>
             </a:r>
-            <a:endParaRPr lang="zh-CN" altLang="en-US" smtClean="0"/>
           </a:p>
           <a:p>
             <a:pPr lvl="3"/>
             <a:r>
-              <a:rPr lang="zh-CN" altLang="en-US" smtClean="0"/>
+              <a:rPr lang="zh-CN" altLang="en-US"/>
               <a:t>第四级</a:t>
             </a:r>
-            <a:endParaRPr lang="zh-CN" altLang="en-US" smtClean="0"/>
           </a:p>
           <a:p>
             <a:pPr lvl="4"/>
             <a:r>
-              <a:rPr lang="zh-CN" altLang="en-US" smtClean="0"/>
+              <a:rPr lang="zh-CN" altLang="en-US"/>
               <a:t>第五级</a:t>
             </a:r>
-            <a:endParaRPr lang="zh-CN" altLang="en-US"/>
           </a:p>
         </p:txBody>
       </p:sp>
@@ -2020,6 +1995,7 @@
           <a:p>
             <a:fld id="{82F288E0-7875-42C4-84C8-98DBBD3BF4D2}" type="datetimeFigureOut">
               <a:rPr lang="zh-CN" altLang="en-US" smtClean="0"/>
+              <a:t>2019/2/3</a:t>
             </a:fld>
             <a:endParaRPr lang="zh-CN" altLang="en-US"/>
           </a:p>
@@ -2061,6 +2037,7 @@
           <a:p>
             <a:fld id="{7D9BB5D0-35E4-459D-AEF3-FE4D7C45CC19}" type="slidenum">
               <a:rPr lang="zh-CN" altLang="en-US" smtClean="0"/>
+              <a:t>‹#›</a:t>
             </a:fld>
             <a:endParaRPr lang="zh-CN" altLang="en-US"/>
           </a:p>
@@ -2122,10 +2099,9 @@
           <a:lstStyle/>
           <a:p>
             <a:r>
-              <a:rPr lang="zh-CN" altLang="en-US" smtClean="0"/>
+              <a:rPr lang="zh-CN" altLang="en-US"/>
               <a:t>单击此处编辑母版标题样式</a:t>
             </a:r>
-            <a:endParaRPr lang="zh-CN" altLang="en-US"/>
           </a:p>
         </p:txBody>
       </p:sp>
@@ -2156,42 +2132,37 @@
           <a:p>
             <a:pPr lvl="0"/>
             <a:r>
-              <a:rPr lang="zh-CN" altLang="en-US" smtClean="0"/>
+              <a:rPr lang="zh-CN" altLang="en-US"/>
               <a:t>单击此处编辑母版文本样式</a:t>
             </a:r>
-            <a:endParaRPr lang="zh-CN" altLang="en-US" smtClean="0"/>
           </a:p>
           <a:p>
             <a:pPr lvl="1"/>
             <a:r>
-              <a:rPr lang="zh-CN" altLang="en-US" smtClean="0"/>
+              <a:rPr lang="zh-CN" altLang="en-US"/>
               <a:t>第二级</a:t>
             </a:r>
-            <a:endParaRPr lang="zh-CN" altLang="en-US" smtClean="0"/>
           </a:p>
           <a:p>
             <a:pPr lvl="2"/>
             <a:r>
-              <a:rPr lang="zh-CN" altLang="en-US" smtClean="0"/>
+              <a:rPr lang="zh-CN" altLang="en-US"/>
               <a:t>第三级</a:t>
             </a:r>
-            <a:endParaRPr lang="zh-CN" altLang="en-US" smtClean="0"/>
           </a:p>
           <a:p>
             <a:pPr lvl="3"/>
             <a:r>
-              <a:rPr lang="zh-CN" altLang="en-US" smtClean="0"/>
+              <a:rPr lang="zh-CN" altLang="en-US"/>
               <a:t>第四级</a:t>
             </a:r>
-            <a:endParaRPr lang="zh-CN" altLang="en-US" smtClean="0"/>
           </a:p>
           <a:p>
             <a:pPr lvl="4"/>
             <a:r>
-              <a:rPr lang="zh-CN" altLang="en-US" smtClean="0"/>
+              <a:rPr lang="zh-CN" altLang="en-US"/>
               <a:t>第五级</a:t>
             </a:r>
-            <a:endParaRPr lang="zh-CN" altLang="en-US"/>
           </a:p>
         </p:txBody>
       </p:sp>
@@ -2230,6 +2201,7 @@
           <a:p>
             <a:fld id="{82F288E0-7875-42C4-84C8-98DBBD3BF4D2}" type="datetimeFigureOut">
               <a:rPr lang="zh-CN" altLang="en-US" smtClean="0"/>
+              <a:t>2019/2/3</a:t>
             </a:fld>
             <a:endParaRPr lang="zh-CN" altLang="en-US"/>
           </a:p>
@@ -2307,6 +2279,7 @@
           <a:p>
             <a:fld id="{7D9BB5D0-35E4-459D-AEF3-FE4D7C45CC19}" type="slidenum">
               <a:rPr lang="zh-CN" altLang="en-US" smtClean="0"/>
+              <a:t>‹#›</a:t>
             </a:fld>
             <a:endParaRPr lang="zh-CN" altLang="en-US"/>
           </a:p>
@@ -2616,7 +2589,7 @@
     <p:bg>
       <p:bgPr>
         <a:blipFill rotWithShape="1">
-          <a:blip r:embed="rId1">
+          <a:blip r:embed="rId2">
             <a:alphaModFix amt="30000"/>
           </a:blip>
           <a:stretch>
@@ -2632,7 +2605,14 @@
         <p:cNvGrpSpPr/>
         <p:nvPr/>
       </p:nvGrpSpPr>
-      <p:grpSpPr/>
+      <p:grpSpPr>
+        <a:xfrm>
+          <a:off x="0" y="0"/>
+          <a:ext cx="0" cy="0"/>
+          <a:chOff x="0" y="0"/>
+          <a:chExt cx="0" cy="0"/>
+        </a:xfrm>
+      </p:grpSpPr>
       <p:pic>
         <p:nvPicPr>
           <p:cNvPr id="4" name="图片 3" descr="buzzer"/>
@@ -2642,7 +2622,7 @@
           <p:nvPr/>
         </p:nvPicPr>
         <p:blipFill>
-          <a:blip r:embed="rId2">
+          <a:blip r:embed="rId3">
             <a:clrChange>
               <a:clrFrom>
                 <a:srgbClr val="FFFFFF">
@@ -2664,7 +2644,7 @@
         </p:blipFill>
         <p:spPr>
           <a:xfrm>
-            <a:off x="8189595" y="2581275"/>
+            <a:off x="8167687" y="1661509"/>
             <a:ext cx="2273935" cy="2575560"/>
           </a:xfrm>
           <a:prstGeom prst="rect">
@@ -2675,44 +2655,6 @@
       <p:pic>
         <p:nvPicPr>
           <p:cNvPr id="8" name="图片 7" descr="LEDButton"/>
-          <p:cNvPicPr>
-            <a:picLocks noChangeAspect="1"/>
-          </p:cNvPicPr>
-          <p:nvPr/>
-        </p:nvPicPr>
-        <p:blipFill>
-          <a:blip r:embed="rId3">
-            <a:clrChange>
-              <a:clrFrom>
-                <a:srgbClr val="FFFFFF">
-                  <a:alpha val="100000"/>
-                </a:srgbClr>
-              </a:clrFrom>
-              <a:clrTo>
-                <a:srgbClr val="FFFFFF">
-                  <a:alpha val="100000"/>
-                  <a:alpha val="0"/>
-                </a:srgbClr>
-              </a:clrTo>
-            </a:clrChange>
-          </a:blip>
-          <a:stretch>
-            <a:fillRect/>
-          </a:stretch>
-        </p:blipFill>
-        <p:spPr>
-          <a:xfrm>
-            <a:off x="2446020" y="4768215"/>
-            <a:ext cx="4075430" cy="2014220"/>
-          </a:xfrm>
-          <a:prstGeom prst="rect">
-            <a:avLst/>
-          </a:prstGeom>
-        </p:spPr>
-      </p:pic>
-      <p:pic>
-        <p:nvPicPr>
-          <p:cNvPr id="12" name="图片 11" descr="Relay"/>
           <p:cNvPicPr>
             <a:picLocks noChangeAspect="1"/>
           </p:cNvPicPr>
@@ -2740,8 +2682,8 @@
         </p:blipFill>
         <p:spPr>
           <a:xfrm>
-            <a:off x="139065" y="5069840"/>
-            <a:ext cx="3000375" cy="1410970"/>
+            <a:off x="2106136" y="4149805"/>
+            <a:ext cx="4075430" cy="2014220"/>
           </a:xfrm>
           <a:prstGeom prst="rect">
             <a:avLst/>
@@ -2750,7 +2692,7 @@
       </p:pic>
       <p:pic>
         <p:nvPicPr>
-          <p:cNvPr id="13" name="图片 12" descr="Servo"/>
+          <p:cNvPr id="12" name="图片 11" descr="Relay"/>
           <p:cNvPicPr>
             <a:picLocks noChangeAspect="1"/>
           </p:cNvPicPr>
@@ -2778,8 +2720,8 @@
         </p:blipFill>
         <p:spPr>
           <a:xfrm>
-            <a:off x="6139815" y="4768215"/>
-            <a:ext cx="2263775" cy="1697990"/>
+            <a:off x="100807" y="4482526"/>
+            <a:ext cx="3000375" cy="1410970"/>
           </a:xfrm>
           <a:prstGeom prst="rect">
             <a:avLst/>
@@ -2788,7 +2730,7 @@
       </p:pic>
       <p:pic>
         <p:nvPicPr>
-          <p:cNvPr id="15" name="图片 14" descr="101020011 1"/>
+          <p:cNvPr id="13" name="图片 12" descr="Servo"/>
           <p:cNvPicPr>
             <a:picLocks noChangeAspect="1"/>
           </p:cNvPicPr>
@@ -2810,15 +2752,14 @@
               </a:clrTo>
             </a:clrChange>
           </a:blip>
-          <a:srcRect l="5724" t="25741" r="38929" b="22614"/>
           <a:stretch>
             <a:fillRect/>
           </a:stretch>
         </p:blipFill>
         <p:spPr>
           <a:xfrm>
-            <a:off x="6139815" y="3059430"/>
-            <a:ext cx="2322830" cy="1625600"/>
+            <a:off x="6006147" y="4307920"/>
+            <a:ext cx="2263775" cy="1697990"/>
           </a:xfrm>
           <a:prstGeom prst="rect">
             <a:avLst/>
@@ -2827,7 +2768,7 @@
       </p:pic>
       <p:pic>
         <p:nvPicPr>
-          <p:cNvPr id="16" name="图片 15" descr="101020132 3"/>
+          <p:cNvPr id="15" name="图片 14" descr="101020011 1"/>
           <p:cNvPicPr>
             <a:picLocks noChangeAspect="1"/>
           </p:cNvPicPr>
@@ -2849,15 +2790,15 @@
               </a:clrTo>
             </a:clrChange>
           </a:blip>
-          <a:srcRect l="2206" t="23786" r="47382" b="15196"/>
+          <a:srcRect l="5724" t="25741" r="38929" b="22614"/>
           <a:stretch>
             <a:fillRect/>
           </a:stretch>
         </p:blipFill>
         <p:spPr>
           <a:xfrm>
-            <a:off x="9836150" y="4685030"/>
-            <a:ext cx="2162175" cy="1963420"/>
+            <a:off x="5742467" y="2103159"/>
+            <a:ext cx="2432365" cy="1702257"/>
           </a:xfrm>
           <a:prstGeom prst="rect">
             <a:avLst/>
@@ -2866,7 +2807,7 @@
       </p:pic>
       <p:pic>
         <p:nvPicPr>
-          <p:cNvPr id="17" name="图片 16" descr="front (1)"/>
+          <p:cNvPr id="16" name="图片 15" descr="101020132 3"/>
           <p:cNvPicPr>
             <a:picLocks noChangeAspect="1"/>
           </p:cNvPicPr>
@@ -2888,14 +2829,15 @@
               </a:clrTo>
             </a:clrChange>
           </a:blip>
+          <a:srcRect l="2206" t="23786" r="47382" b="15196"/>
           <a:stretch>
             <a:fillRect/>
           </a:stretch>
         </p:blipFill>
         <p:spPr>
           <a:xfrm>
-            <a:off x="2575560" y="2586990"/>
-            <a:ext cx="3426460" cy="2569845"/>
+            <a:off x="9842342" y="4149805"/>
+            <a:ext cx="2162175" cy="1963420"/>
           </a:xfrm>
           <a:prstGeom prst="rect">
             <a:avLst/>
@@ -2904,7 +2846,7 @@
       </p:pic>
       <p:pic>
         <p:nvPicPr>
-          <p:cNvPr id="19" name="图片 18" descr="httpsstatics3.seeedstudio.comseeedfile2018-07bazaar881116_2"/>
+          <p:cNvPr id="17" name="图片 16" descr="front (1)"/>
           <p:cNvPicPr>
             <a:picLocks noChangeAspect="1"/>
           </p:cNvPicPr>
@@ -2931,9 +2873,9 @@
           </a:stretch>
         </p:blipFill>
         <p:spPr>
-          <a:xfrm rot="16200000">
-            <a:off x="-240665" y="2395220"/>
-            <a:ext cx="2903855" cy="2144395"/>
+          <a:xfrm>
+            <a:off x="2270999" y="1579960"/>
+            <a:ext cx="3426460" cy="2569845"/>
           </a:xfrm>
           <a:prstGeom prst="rect">
             <a:avLst/>
@@ -2942,7 +2884,7 @@
       </p:pic>
       <p:pic>
         <p:nvPicPr>
-          <p:cNvPr id="20" name="图片 19" descr="httpsstatics3.seeedstudio.comseeedfile2018-07bazaar881134_2"/>
+          <p:cNvPr id="19" name="图片 18" descr="httpsstatics3.seeedstudio.comseeedfile2018-07bazaar881116_2"/>
           <p:cNvPicPr>
             <a:picLocks noChangeAspect="1"/>
           </p:cNvPicPr>
@@ -2969,9 +2911,9 @@
           </a:stretch>
         </p:blipFill>
         <p:spPr>
-          <a:xfrm rot="5400000">
-            <a:off x="9717405" y="2375535"/>
-            <a:ext cx="2752725" cy="2032635"/>
+          <a:xfrm rot="16200000">
+            <a:off x="-253126" y="1460282"/>
+            <a:ext cx="2903855" cy="2144395"/>
           </a:xfrm>
           <a:prstGeom prst="rect">
             <a:avLst/>
@@ -2980,7 +2922,7 @@
       </p:pic>
       <p:pic>
         <p:nvPicPr>
-          <p:cNvPr id="21" name="图片 20" descr="未标题-2"/>
+          <p:cNvPr id="20" name="图片 19" descr="httpsstatics3.seeedstudio.comseeedfile2018-07bazaar881134_2"/>
           <p:cNvPicPr>
             <a:picLocks noChangeAspect="1"/>
           </p:cNvPicPr>
@@ -3002,6 +2944,44 @@
               </a:clrTo>
             </a:clrChange>
           </a:blip>
+          <a:stretch>
+            <a:fillRect/>
+          </a:stretch>
+        </p:blipFill>
+        <p:spPr>
+          <a:xfrm rot="5400000">
+            <a:off x="9735022" y="1315007"/>
+            <a:ext cx="2752725" cy="2032635"/>
+          </a:xfrm>
+          <a:prstGeom prst="rect">
+            <a:avLst/>
+          </a:prstGeom>
+        </p:spPr>
+      </p:pic>
+      <p:pic>
+        <p:nvPicPr>
+          <p:cNvPr id="21" name="图片 20" descr="未标题-2"/>
+          <p:cNvPicPr>
+            <a:picLocks noChangeAspect="1"/>
+          </p:cNvPicPr>
+          <p:nvPr/>
+        </p:nvPicPr>
+        <p:blipFill>
+          <a:blip r:embed="rId12">
+            <a:clrChange>
+              <a:clrFrom>
+                <a:srgbClr val="FFFFFF">
+                  <a:alpha val="100000"/>
+                </a:srgbClr>
+              </a:clrFrom>
+              <a:clrTo>
+                <a:srgbClr val="FFFFFF">
+                  <a:alpha val="100000"/>
+                  <a:alpha val="0"/>
+                </a:srgbClr>
+              </a:clrTo>
+            </a:clrChange>
+          </a:blip>
           <a:srcRect l="21808" t="14879" r="26400" b="14431"/>
           <a:stretch>
             <a:fillRect/>
@@ -3009,7 +2989,7 @@
         </p:blipFill>
         <p:spPr>
           <a:xfrm rot="5400000">
-            <a:off x="8339455" y="4651375"/>
+            <a:off x="8293417" y="4126310"/>
             <a:ext cx="1973580" cy="2020570"/>
           </a:xfrm>
           <a:prstGeom prst="rect">
@@ -3054,6 +3034,7 @@
         </p:style>
         <p:txBody>
           <a:bodyPr rtlCol="0" anchor="ctr"/>
+          <a:lstStyle/>
           <a:p>
             <a:pPr algn="ctr"/>
             <a:endParaRPr lang="zh-CN" altLang="en-US"/>
@@ -3072,7 +3053,7 @@
         </p:nvSpPr>
         <p:spPr>
           <a:xfrm>
-            <a:off x="3557905" y="1122680"/>
+            <a:off x="3018790" y="186056"/>
             <a:ext cx="5667375" cy="892810"/>
           </a:xfrm>
         </p:spPr>
@@ -3080,15 +3061,18 @@
           <a:bodyPr>
             <a:noAutofit/>
           </a:bodyPr>
+          <a:lstStyle/>
           <a:p>
             <a:pPr marL="0" indent="0">
               <a:buNone/>
             </a:pPr>
             <a:r>
-              <a:rPr lang="en-US" altLang="zh-CN" sz="6000" b="1">
+              <a:rPr lang="en-US" altLang="zh-CN" sz="6000" b="1" dirty="0">
                 <a:ln/>
                 <a:solidFill>
-                  <a:srgbClr val="0060A5"/>
+                  <a:schemeClr val="bg1">
+                    <a:lumMod val="75000"/>
+                  </a:schemeClr>
                 </a:solidFill>
                 <a:effectLst>
                   <a:outerShdw blurRad="38100" dist="38100" dir="2700000" algn="tl">
@@ -3102,21 +3086,6 @@
               </a:rPr>
               <a:t>Grove System</a:t>
             </a:r>
-            <a:endParaRPr lang="en-US" altLang="zh-CN" sz="6000" b="1">
-              <a:ln/>
-              <a:solidFill>
-                <a:srgbClr val="0060A5"/>
-              </a:solidFill>
-              <a:effectLst>
-                <a:outerShdw blurRad="38100" dist="38100" dir="2700000" algn="tl">
-                  <a:srgbClr val="000000">
-                    <a:alpha val="43137"/>
-                  </a:srgbClr>
-                </a:outerShdw>
-              </a:effectLst>
-              <a:latin typeface="Arial" panose="020B0604020202020204" pitchFamily="34" charset="0"/>
-              <a:ea typeface="Yu Gothic UI Semibold" panose="020B0700000000000000" charset="-128"/>
-            </a:endParaRPr>
           </a:p>
         </p:txBody>
       </p:sp>
@@ -3379,6 +3348,8 @@
       </a:bgFillStyleLst>
     </a:fmtScheme>
   </a:themeElements>
+  <a:objectDefaults/>
+  <a:extraClrSchemeLst/>
   <a:extLst>
     <a:ext uri="{05A4C25C-085E-4340-85A3-A5531E510DB2}">
       <thm15:themeFamily xmlns:thm15="http://schemas.microsoft.com/office/thememl/2012/main" name="Office Theme" id="{62F939B6-93AF-4DB8-9C6B-D6C7DFDC589F}" vid="{4A3C46E8-61CC-4603-A589-7422A47A8E4A}"/>
